--- a/docs/diagrams/Map legends.pptx
+++ b/docs/diagrams/Map legends.pptx
@@ -3475,7 +3475,7 @@
             <a:pPr algn="ctr"/>
             <a:r>
               <a:rPr lang="en-SG" dirty="0"/>
-              <a:t>Empty</a:t>
+              <a:t>Water</a:t>
             </a:r>
           </a:p>
         </p:txBody>

--- a/docs/diagrams/Map legends.pptx
+++ b/docs/diagrams/Map legends.pptx
@@ -3347,63 +3347,22 @@
           <a:chExt cx="0" cy="0"/>
         </a:xfrm>
       </p:grpSpPr>
-      <p:pic>
-        <p:nvPicPr>
-          <p:cNvPr id="4" name="Picture 3">
-            <a:extLst>
-              <a:ext uri="{FF2B5EF4-FFF2-40B4-BE49-F238E27FC236}">
-                <a16:creationId xmlns:a16="http://schemas.microsoft.com/office/drawing/2014/main" id="{54F2A7FF-D6D5-4087-BB52-E64F57ED6CC5}"/>
-              </a:ext>
-            </a:extLst>
-          </p:cNvPr>
-          <p:cNvPicPr>
-            <a:picLocks noChangeAspect="1"/>
-          </p:cNvPicPr>
+      <p:sp>
+        <p:nvSpPr>
+          <p:cNvPr id="5" name="Rectangle 4">
+            <a:extLst>
+              <a:ext uri="{FF2B5EF4-FFF2-40B4-BE49-F238E27FC236}">
+                <a16:creationId xmlns:a16="http://schemas.microsoft.com/office/drawing/2014/main" id="{1A6FE968-5914-44F2-863B-5CA8BDCABAE0}"/>
+              </a:ext>
+            </a:extLst>
+          </p:cNvPr>
+          <p:cNvSpPr/>
           <p:nvPr/>
-        </p:nvPicPr>
-        <p:blipFill rotWithShape="1">
-          <a:blip r:embed="rId2"/>
-          <a:srcRect t="7450" r="1776" b="5831"/>
-          <a:stretch/>
-        </p:blipFill>
+        </p:nvSpPr>
         <p:spPr>
           <a:xfrm>
-            <a:off x="2620763" y="2066544"/>
-            <a:ext cx="3139956" cy="652272"/>
-          </a:xfrm>
-          <a:prstGeom prst="rect">
-            <a:avLst/>
-          </a:prstGeom>
-          <a:solidFill>
-            <a:schemeClr val="bg2">
-              <a:lumMod val="25000"/>
-            </a:schemeClr>
-          </a:solidFill>
-        </p:spPr>
-      </p:pic>
-      <p:pic>
-        <p:nvPicPr>
-          <p:cNvPr id="2" name="Picture 1">
-            <a:extLst>
-              <a:ext uri="{FF2B5EF4-FFF2-40B4-BE49-F238E27FC236}">
-                <a16:creationId xmlns:a16="http://schemas.microsoft.com/office/drawing/2014/main" id="{72C97475-F0F4-43EC-A72C-5EDA6D69E8F2}"/>
-              </a:ext>
-            </a:extLst>
-          </p:cNvPr>
-          <p:cNvPicPr>
-            <a:picLocks noChangeAspect="1"/>
-          </p:cNvPicPr>
-          <p:nvPr/>
-        </p:nvPicPr>
-        <p:blipFill rotWithShape="1">
-          <a:blip r:embed="rId3"/>
-          <a:srcRect l="12667" t="16793" r="12027" b="11065"/>
-          <a:stretch/>
-        </p:blipFill>
-        <p:spPr>
-          <a:xfrm>
-            <a:off x="2057400" y="2066544"/>
-            <a:ext cx="645668" cy="652272"/>
+            <a:off x="4569228" y="1508002"/>
+            <a:ext cx="938784" cy="310896"/>
           </a:xfrm>
           <a:prstGeom prst="rect">
             <a:avLst/>
@@ -3414,16 +3373,48 @@
             </a:schemeClr>
           </a:solidFill>
           <a:ln>
-            <a:noFill/>
+            <a:solidFill>
+              <a:schemeClr val="tx1">
+                <a:lumMod val="50000"/>
+                <a:lumOff val="50000"/>
+              </a:schemeClr>
+            </a:solidFill>
           </a:ln>
         </p:spPr>
-      </p:pic>
-      <p:sp>
-        <p:nvSpPr>
-          <p:cNvPr id="3" name="Rectangle 2">
-            <a:extLst>
-              <a:ext uri="{FF2B5EF4-FFF2-40B4-BE49-F238E27FC236}">
-                <a16:creationId xmlns:a16="http://schemas.microsoft.com/office/drawing/2014/main" id="{921A871C-C34F-4967-B501-24923594ABB4}"/>
+        <p:style>
+          <a:lnRef idx="2">
+            <a:schemeClr val="accent1">
+              <a:shade val="50000"/>
+            </a:schemeClr>
+          </a:lnRef>
+          <a:fillRef idx="1">
+            <a:schemeClr val="accent1"/>
+          </a:fillRef>
+          <a:effectRef idx="0">
+            <a:schemeClr val="accent1"/>
+          </a:effectRef>
+          <a:fontRef idx="minor">
+            <a:schemeClr val="lt1"/>
+          </a:fontRef>
+        </p:style>
+        <p:txBody>
+          <a:bodyPr rtlCol="0" anchor="ctr"/>
+          <a:lstStyle/>
+          <a:p>
+            <a:pPr algn="ctr"/>
+            <a:r>
+              <a:rPr lang="en-SG" dirty="0"/>
+              <a:t>Ship Hit</a:t>
+            </a:r>
+          </a:p>
+        </p:txBody>
+      </p:sp>
+      <p:sp>
+        <p:nvSpPr>
+          <p:cNvPr id="6" name="Rectangle 5">
+            <a:extLst>
+              <a:ext uri="{FF2B5EF4-FFF2-40B4-BE49-F238E27FC236}">
+                <a16:creationId xmlns:a16="http://schemas.microsoft.com/office/drawing/2014/main" id="{336C4CF2-6BBB-476D-92C3-BA81DFB0D61D}"/>
               </a:ext>
             </a:extLst>
           </p:cNvPr>
@@ -3432,7 +3423,7 @@
         </p:nvSpPr>
         <p:spPr>
           <a:xfrm>
-            <a:off x="2620763" y="3035890"/>
+            <a:off x="4006729" y="3043072"/>
             <a:ext cx="810768" cy="310896"/>
           </a:xfrm>
           <a:prstGeom prst="rect">
@@ -3475,17 +3466,17 @@
             <a:pPr algn="ctr"/>
             <a:r>
               <a:rPr lang="en-SG" dirty="0"/>
-              <a:t>Water</a:t>
-            </a:r>
-          </a:p>
-        </p:txBody>
-      </p:sp>
-      <p:sp>
-        <p:nvSpPr>
-          <p:cNvPr id="5" name="Rectangle 4">
-            <a:extLst>
-              <a:ext uri="{FF2B5EF4-FFF2-40B4-BE49-F238E27FC236}">
-                <a16:creationId xmlns:a16="http://schemas.microsoft.com/office/drawing/2014/main" id="{1A6FE968-5914-44F2-863B-5CA8BDCABAE0}"/>
+              <a:t>Ship</a:t>
+            </a:r>
+          </a:p>
+        </p:txBody>
+      </p:sp>
+      <p:sp>
+        <p:nvSpPr>
+          <p:cNvPr id="8" name="Rectangle 7">
+            <a:extLst>
+              <a:ext uri="{FF2B5EF4-FFF2-40B4-BE49-F238E27FC236}">
+                <a16:creationId xmlns:a16="http://schemas.microsoft.com/office/drawing/2014/main" id="{67F86C66-ECAE-43B1-806E-EE8E331A1B25}"/>
               </a:ext>
             </a:extLst>
           </p:cNvPr>
@@ -3494,193 +3485,7 @@
         </p:nvSpPr>
         <p:spPr>
           <a:xfrm>
-            <a:off x="3102864" y="1490939"/>
-            <a:ext cx="938784" cy="310896"/>
-          </a:xfrm>
-          <a:prstGeom prst="rect">
-            <a:avLst/>
-          </a:prstGeom>
-          <a:solidFill>
-            <a:schemeClr val="bg2">
-              <a:lumMod val="25000"/>
-            </a:schemeClr>
-          </a:solidFill>
-          <a:ln>
-            <a:solidFill>
-              <a:schemeClr val="tx1">
-                <a:lumMod val="50000"/>
-                <a:lumOff val="50000"/>
-              </a:schemeClr>
-            </a:solidFill>
-          </a:ln>
-        </p:spPr>
-        <p:style>
-          <a:lnRef idx="2">
-            <a:schemeClr val="accent1">
-              <a:shade val="50000"/>
-            </a:schemeClr>
-          </a:lnRef>
-          <a:fillRef idx="1">
-            <a:schemeClr val="accent1"/>
-          </a:fillRef>
-          <a:effectRef idx="0">
-            <a:schemeClr val="accent1"/>
-          </a:effectRef>
-          <a:fontRef idx="minor">
-            <a:schemeClr val="lt1"/>
-          </a:fontRef>
-        </p:style>
-        <p:txBody>
-          <a:bodyPr rtlCol="0" anchor="ctr"/>
-          <a:lstStyle/>
-          <a:p>
-            <a:pPr algn="ctr"/>
-            <a:r>
-              <a:rPr lang="en-SG" dirty="0"/>
-              <a:t>Ship Hit</a:t>
-            </a:r>
-          </a:p>
-        </p:txBody>
-      </p:sp>
-      <p:sp>
-        <p:nvSpPr>
-          <p:cNvPr id="6" name="Rectangle 5">
-            <a:extLst>
-              <a:ext uri="{FF2B5EF4-FFF2-40B4-BE49-F238E27FC236}">
-                <a16:creationId xmlns:a16="http://schemas.microsoft.com/office/drawing/2014/main" id="{336C4CF2-6BBB-476D-92C3-BA81DFB0D61D}"/>
-              </a:ext>
-            </a:extLst>
-          </p:cNvPr>
-          <p:cNvSpPr/>
-          <p:nvPr/>
-        </p:nvSpPr>
-        <p:spPr>
-          <a:xfrm>
-            <a:off x="3813736" y="3035890"/>
-            <a:ext cx="810768" cy="310896"/>
-          </a:xfrm>
-          <a:prstGeom prst="rect">
-            <a:avLst/>
-          </a:prstGeom>
-          <a:solidFill>
-            <a:schemeClr val="bg2">
-              <a:lumMod val="25000"/>
-            </a:schemeClr>
-          </a:solidFill>
-          <a:ln>
-            <a:solidFill>
-              <a:schemeClr val="tx1">
-                <a:lumMod val="50000"/>
-                <a:lumOff val="50000"/>
-              </a:schemeClr>
-            </a:solidFill>
-          </a:ln>
-        </p:spPr>
-        <p:style>
-          <a:lnRef idx="2">
-            <a:schemeClr val="accent1">
-              <a:shade val="50000"/>
-            </a:schemeClr>
-          </a:lnRef>
-          <a:fillRef idx="1">
-            <a:schemeClr val="accent1"/>
-          </a:fillRef>
-          <a:effectRef idx="0">
-            <a:schemeClr val="accent1"/>
-          </a:effectRef>
-          <a:fontRef idx="minor">
-            <a:schemeClr val="lt1"/>
-          </a:fontRef>
-        </p:style>
-        <p:txBody>
-          <a:bodyPr rtlCol="0" anchor="ctr"/>
-          <a:lstStyle/>
-          <a:p>
-            <a:pPr algn="ctr"/>
-            <a:r>
-              <a:rPr lang="en-SG" dirty="0"/>
-              <a:t>Ship</a:t>
-            </a:r>
-          </a:p>
-        </p:txBody>
-      </p:sp>
-      <p:sp>
-        <p:nvSpPr>
-          <p:cNvPr id="7" name="Rectangle 6">
-            <a:extLst>
-              <a:ext uri="{FF2B5EF4-FFF2-40B4-BE49-F238E27FC236}">
-                <a16:creationId xmlns:a16="http://schemas.microsoft.com/office/drawing/2014/main" id="{008A99F7-F4DE-4E24-B65F-A7AAAF08BCB3}"/>
-              </a:ext>
-            </a:extLst>
-          </p:cNvPr>
-          <p:cNvSpPr/>
-          <p:nvPr/>
-        </p:nvSpPr>
-        <p:spPr>
-          <a:xfrm>
-            <a:off x="4261792" y="1490939"/>
-            <a:ext cx="1139264" cy="310896"/>
-          </a:xfrm>
-          <a:prstGeom prst="rect">
-            <a:avLst/>
-          </a:prstGeom>
-          <a:solidFill>
-            <a:schemeClr val="bg2">
-              <a:lumMod val="25000"/>
-            </a:schemeClr>
-          </a:solidFill>
-          <a:ln>
-            <a:solidFill>
-              <a:schemeClr val="tx1">
-                <a:lumMod val="50000"/>
-                <a:lumOff val="50000"/>
-              </a:schemeClr>
-            </a:solidFill>
-          </a:ln>
-        </p:spPr>
-        <p:style>
-          <a:lnRef idx="2">
-            <a:schemeClr val="accent1">
-              <a:shade val="50000"/>
-            </a:schemeClr>
-          </a:lnRef>
-          <a:fillRef idx="1">
-            <a:schemeClr val="accent1"/>
-          </a:fillRef>
-          <a:effectRef idx="0">
-            <a:schemeClr val="accent1"/>
-          </a:effectRef>
-          <a:fontRef idx="minor">
-            <a:schemeClr val="lt1"/>
-          </a:fontRef>
-        </p:style>
-        <p:txBody>
-          <a:bodyPr rtlCol="0" anchor="ctr"/>
-          <a:lstStyle/>
-          <a:p>
-            <a:pPr algn="ctr"/>
-            <a:r>
-              <a:rPr lang="en-SG" dirty="0"/>
-              <a:t>Water Hit</a:t>
-            </a:r>
-          </a:p>
-        </p:txBody>
-      </p:sp>
-      <p:sp>
-        <p:nvSpPr>
-          <p:cNvPr id="8" name="Rectangle 7">
-            <a:extLst>
-              <a:ext uri="{FF2B5EF4-FFF2-40B4-BE49-F238E27FC236}">
-                <a16:creationId xmlns:a16="http://schemas.microsoft.com/office/drawing/2014/main" id="{67F86C66-ECAE-43B1-806E-EE8E331A1B25}"/>
-              </a:ext>
-            </a:extLst>
-          </p:cNvPr>
-          <p:cNvSpPr/>
-          <p:nvPr/>
-        </p:nvSpPr>
-        <p:spPr>
-          <a:xfrm>
-            <a:off x="4831424" y="3035890"/>
+            <a:off x="4949534" y="3049854"/>
             <a:ext cx="1597152" cy="310896"/>
           </a:xfrm>
           <a:prstGeom prst="rect">
@@ -3728,183 +3533,286 @@
           </a:p>
         </p:txBody>
       </p:sp>
-      <p:sp>
-        <p:nvSpPr>
-          <p:cNvPr id="9" name="Rectangle 8">
-            <a:extLst>
-              <a:ext uri="{FF2B5EF4-FFF2-40B4-BE49-F238E27FC236}">
-                <a16:creationId xmlns:a16="http://schemas.microsoft.com/office/drawing/2014/main" id="{69A91D9D-4DBB-476E-90FD-12035D412A02}"/>
-              </a:ext>
-            </a:extLst>
-          </p:cNvPr>
-          <p:cNvSpPr/>
+      <p:grpSp>
+        <p:nvGrpSpPr>
+          <p:cNvPr id="15" name="Group 14">
+            <a:extLst>
+              <a:ext uri="{FF2B5EF4-FFF2-40B4-BE49-F238E27FC236}">
+                <a16:creationId xmlns:a16="http://schemas.microsoft.com/office/drawing/2014/main" id="{E2EF22D6-1DB3-4DF3-B9FF-149997AD2BB3}"/>
+              </a:ext>
+            </a:extLst>
+          </p:cNvPr>
+          <p:cNvGrpSpPr/>
           <p:nvPr/>
-        </p:nvSpPr>
-        <p:spPr>
+        </p:nvGrpSpPr>
+        <p:grpSpPr>
           <a:xfrm>
-            <a:off x="1886458" y="1490939"/>
-            <a:ext cx="987552" cy="310896"/>
+            <a:off x="2046566" y="1514033"/>
+            <a:ext cx="987552" cy="575604"/>
+            <a:chOff x="1886458" y="1490939"/>
+            <a:chExt cx="987552" cy="575604"/>
           </a:xfrm>
-          <a:prstGeom prst="rect">
-            <a:avLst/>
-          </a:prstGeom>
-          <a:solidFill>
-            <a:schemeClr val="bg2">
-              <a:lumMod val="25000"/>
-            </a:schemeClr>
-          </a:solidFill>
-          <a:ln>
+        </p:grpSpPr>
+        <p:sp>
+          <p:nvSpPr>
+            <p:cNvPr id="9" name="Rectangle 8">
+              <a:extLst>
+                <a:ext uri="{FF2B5EF4-FFF2-40B4-BE49-F238E27FC236}">
+                  <a16:creationId xmlns:a16="http://schemas.microsoft.com/office/drawing/2014/main" id="{69A91D9D-4DBB-476E-90FD-12035D412A02}"/>
+                </a:ext>
+              </a:extLst>
+            </p:cNvPr>
+            <p:cNvSpPr/>
+            <p:nvPr/>
+          </p:nvSpPr>
+          <p:spPr>
+            <a:xfrm>
+              <a:off x="1886458" y="1490939"/>
+              <a:ext cx="987552" cy="310896"/>
+            </a:xfrm>
+            <a:prstGeom prst="rect">
+              <a:avLst/>
+            </a:prstGeom>
             <a:solidFill>
-              <a:schemeClr val="tx1">
-                <a:lumMod val="50000"/>
-                <a:lumOff val="50000"/>
+              <a:schemeClr val="bg2">
+                <a:lumMod val="25000"/>
               </a:schemeClr>
             </a:solidFill>
-          </a:ln>
-        </p:spPr>
-        <p:style>
-          <a:lnRef idx="2">
-            <a:schemeClr val="accent1">
-              <a:shade val="50000"/>
-            </a:schemeClr>
-          </a:lnRef>
-          <a:fillRef idx="1">
-            <a:schemeClr val="accent1"/>
-          </a:fillRef>
-          <a:effectRef idx="0">
-            <a:schemeClr val="accent1"/>
-          </a:effectRef>
-          <a:fontRef idx="minor">
-            <a:schemeClr val="lt1"/>
-          </a:fontRef>
-        </p:style>
-        <p:txBody>
-          <a:bodyPr rtlCol="0" anchor="ctr"/>
-          <a:lstStyle/>
-          <a:p>
-            <a:pPr algn="ctr"/>
-            <a:r>
-              <a:rPr lang="en-SG" dirty="0"/>
-              <a:t>Hidden</a:t>
-            </a:r>
-          </a:p>
-        </p:txBody>
-      </p:sp>
+            <a:ln>
+              <a:solidFill>
+                <a:schemeClr val="tx1">
+                  <a:lumMod val="50000"/>
+                  <a:lumOff val="50000"/>
+                </a:schemeClr>
+              </a:solidFill>
+            </a:ln>
+          </p:spPr>
+          <p:style>
+            <a:lnRef idx="2">
+              <a:schemeClr val="accent1">
+                <a:shade val="50000"/>
+              </a:schemeClr>
+            </a:lnRef>
+            <a:fillRef idx="1">
+              <a:schemeClr val="accent1"/>
+            </a:fillRef>
+            <a:effectRef idx="0">
+              <a:schemeClr val="accent1"/>
+            </a:effectRef>
+            <a:fontRef idx="minor">
+              <a:schemeClr val="lt1"/>
+            </a:fontRef>
+          </p:style>
+          <p:txBody>
+            <a:bodyPr rtlCol="0" anchor="ctr"/>
+            <a:lstStyle/>
+            <a:p>
+              <a:pPr algn="ctr"/>
+              <a:r>
+                <a:rPr lang="en-SG" dirty="0"/>
+                <a:t>Hidden</a:t>
+              </a:r>
+            </a:p>
+          </p:txBody>
+        </p:sp>
+        <p:cxnSp>
+          <p:nvCxnSpPr>
+            <p:cNvPr id="11" name="Straight Arrow Connector 10">
+              <a:extLst>
+                <a:ext uri="{FF2B5EF4-FFF2-40B4-BE49-F238E27FC236}">
+                  <a16:creationId xmlns:a16="http://schemas.microsoft.com/office/drawing/2014/main" id="{82F25553-CA08-4B26-8D61-201D29EA5A80}"/>
+                </a:ext>
+              </a:extLst>
+            </p:cNvPr>
+            <p:cNvCxnSpPr>
+              <a:cxnSpLocks/>
+            </p:cNvCxnSpPr>
+            <p:nvPr/>
+          </p:nvCxnSpPr>
+          <p:spPr>
+            <a:xfrm>
+              <a:off x="2380234" y="1801834"/>
+              <a:ext cx="0" cy="264709"/>
+            </a:xfrm>
+            <a:prstGeom prst="straightConnector1">
+              <a:avLst/>
+            </a:prstGeom>
+            <a:ln>
+              <a:solidFill>
+                <a:schemeClr val="tx1">
+                  <a:lumMod val="50000"/>
+                  <a:lumOff val="50000"/>
+                </a:schemeClr>
+              </a:solidFill>
+              <a:tailEnd type="triangle"/>
+            </a:ln>
+          </p:spPr>
+          <p:style>
+            <a:lnRef idx="1">
+              <a:schemeClr val="accent1"/>
+            </a:lnRef>
+            <a:fillRef idx="0">
+              <a:schemeClr val="accent1"/>
+            </a:fillRef>
+            <a:effectRef idx="0">
+              <a:schemeClr val="accent1"/>
+            </a:effectRef>
+            <a:fontRef idx="minor">
+              <a:schemeClr val="tx1"/>
+            </a:fontRef>
+          </p:style>
+        </p:cxnSp>
+      </p:grpSp>
+      <p:grpSp>
+        <p:nvGrpSpPr>
+          <p:cNvPr id="27" name="Group 26">
+            <a:extLst>
+              <a:ext uri="{FF2B5EF4-FFF2-40B4-BE49-F238E27FC236}">
+                <a16:creationId xmlns:a16="http://schemas.microsoft.com/office/drawing/2014/main" id="{327F62DB-BA0C-4E1B-B567-BB31F0A30299}"/>
+              </a:ext>
+            </a:extLst>
+          </p:cNvPr>
+          <p:cNvGrpSpPr/>
+          <p:nvPr/>
+        </p:nvGrpSpPr>
+        <p:grpSpPr>
+          <a:xfrm>
+            <a:off x="2754749" y="2742129"/>
+            <a:ext cx="810768" cy="619678"/>
+            <a:chOff x="2285483" y="2964770"/>
+            <a:chExt cx="810768" cy="619678"/>
+          </a:xfrm>
+        </p:grpSpPr>
+        <p:sp>
+          <p:nvSpPr>
+            <p:cNvPr id="3" name="Rectangle 2">
+              <a:extLst>
+                <a:ext uri="{FF2B5EF4-FFF2-40B4-BE49-F238E27FC236}">
+                  <a16:creationId xmlns:a16="http://schemas.microsoft.com/office/drawing/2014/main" id="{921A871C-C34F-4967-B501-24923594ABB4}"/>
+                </a:ext>
+              </a:extLst>
+            </p:cNvPr>
+            <p:cNvSpPr/>
+            <p:nvPr/>
+          </p:nvSpPr>
+          <p:spPr>
+            <a:xfrm>
+              <a:off x="2285483" y="3273552"/>
+              <a:ext cx="810768" cy="310896"/>
+            </a:xfrm>
+            <a:prstGeom prst="rect">
+              <a:avLst/>
+            </a:prstGeom>
+            <a:solidFill>
+              <a:schemeClr val="bg2">
+                <a:lumMod val="25000"/>
+              </a:schemeClr>
+            </a:solidFill>
+            <a:ln>
+              <a:solidFill>
+                <a:schemeClr val="tx1">
+                  <a:lumMod val="50000"/>
+                  <a:lumOff val="50000"/>
+                </a:schemeClr>
+              </a:solidFill>
+            </a:ln>
+          </p:spPr>
+          <p:style>
+            <a:lnRef idx="2">
+              <a:schemeClr val="accent1">
+                <a:shade val="50000"/>
+              </a:schemeClr>
+            </a:lnRef>
+            <a:fillRef idx="1">
+              <a:schemeClr val="accent1"/>
+            </a:fillRef>
+            <a:effectRef idx="0">
+              <a:schemeClr val="accent1"/>
+            </a:effectRef>
+            <a:fontRef idx="minor">
+              <a:schemeClr val="lt1"/>
+            </a:fontRef>
+          </p:style>
+          <p:txBody>
+            <a:bodyPr rtlCol="0" anchor="ctr"/>
+            <a:lstStyle/>
+            <a:p>
+              <a:pPr algn="ctr"/>
+              <a:r>
+                <a:rPr lang="en-SG" dirty="0"/>
+                <a:t>Water</a:t>
+              </a:r>
+            </a:p>
+          </p:txBody>
+        </p:sp>
+        <p:cxnSp>
+          <p:nvCxnSpPr>
+            <p:cNvPr id="13" name="Straight Arrow Connector 12">
+              <a:extLst>
+                <a:ext uri="{FF2B5EF4-FFF2-40B4-BE49-F238E27FC236}">
+                  <a16:creationId xmlns:a16="http://schemas.microsoft.com/office/drawing/2014/main" id="{944D7722-62D9-423D-B432-9860C38E849C}"/>
+                </a:ext>
+              </a:extLst>
+            </p:cNvPr>
+            <p:cNvCxnSpPr>
+              <a:cxnSpLocks/>
+            </p:cNvCxnSpPr>
+            <p:nvPr/>
+          </p:nvCxnSpPr>
+          <p:spPr>
+            <a:xfrm flipV="1">
+              <a:off x="2691874" y="2964770"/>
+              <a:ext cx="0" cy="308782"/>
+            </a:xfrm>
+            <a:prstGeom prst="straightConnector1">
+              <a:avLst/>
+            </a:prstGeom>
+            <a:ln>
+              <a:solidFill>
+                <a:schemeClr val="tx1">
+                  <a:lumMod val="50000"/>
+                  <a:lumOff val="50000"/>
+                </a:schemeClr>
+              </a:solidFill>
+              <a:tailEnd type="triangle"/>
+            </a:ln>
+          </p:spPr>
+          <p:style>
+            <a:lnRef idx="1">
+              <a:schemeClr val="accent1"/>
+            </a:lnRef>
+            <a:fillRef idx="0">
+              <a:schemeClr val="accent1"/>
+            </a:fillRef>
+            <a:effectRef idx="0">
+              <a:schemeClr val="accent1"/>
+            </a:effectRef>
+            <a:fontRef idx="minor">
+              <a:schemeClr val="tx1"/>
+            </a:fontRef>
+          </p:style>
+        </p:cxnSp>
+      </p:grpSp>
       <p:cxnSp>
         <p:nvCxnSpPr>
-          <p:cNvPr id="11" name="Straight Arrow Connector 10">
-            <a:extLst>
-              <a:ext uri="{FF2B5EF4-FFF2-40B4-BE49-F238E27FC236}">
-                <a16:creationId xmlns:a16="http://schemas.microsoft.com/office/drawing/2014/main" id="{82F25553-CA08-4B26-8D61-201D29EA5A80}"/>
+          <p:cNvPr id="16" name="Straight Arrow Connector 15">
+            <a:extLst>
+              <a:ext uri="{FF2B5EF4-FFF2-40B4-BE49-F238E27FC236}">
+                <a16:creationId xmlns:a16="http://schemas.microsoft.com/office/drawing/2014/main" id="{F0EED2D3-9451-46A7-9D65-826988D7509C}"/>
               </a:ext>
             </a:extLst>
           </p:cNvPr>
           <p:cNvCxnSpPr>
             <a:cxnSpLocks/>
-            <a:stCxn id="9" idx="2"/>
-            <a:endCxn id="2" idx="0"/>
+            <a:stCxn id="5" idx="2"/>
+            <a:endCxn id="23" idx="0"/>
           </p:cNvCxnSpPr>
           <p:nvPr/>
         </p:nvCxnSpPr>
         <p:spPr>
           <a:xfrm>
-            <a:off x="2380234" y="1801835"/>
-            <a:ext cx="0" cy="264709"/>
-          </a:xfrm>
-          <a:prstGeom prst="straightConnector1">
-            <a:avLst/>
-          </a:prstGeom>
-          <a:ln>
-            <a:solidFill>
-              <a:schemeClr val="tx1">
-                <a:lumMod val="50000"/>
-                <a:lumOff val="50000"/>
-              </a:schemeClr>
-            </a:solidFill>
-            <a:tailEnd type="triangle"/>
-          </a:ln>
-        </p:spPr>
-        <p:style>
-          <a:lnRef idx="1">
-            <a:schemeClr val="accent1"/>
-          </a:lnRef>
-          <a:fillRef idx="0">
-            <a:schemeClr val="accent1"/>
-          </a:fillRef>
-          <a:effectRef idx="0">
-            <a:schemeClr val="accent1"/>
-          </a:effectRef>
-          <a:fontRef idx="minor">
-            <a:schemeClr val="tx1"/>
-          </a:fontRef>
-        </p:style>
-      </p:cxnSp>
-      <p:cxnSp>
-        <p:nvCxnSpPr>
-          <p:cNvPr id="13" name="Straight Arrow Connector 12">
-            <a:extLst>
-              <a:ext uri="{FF2B5EF4-FFF2-40B4-BE49-F238E27FC236}">
-                <a16:creationId xmlns:a16="http://schemas.microsoft.com/office/drawing/2014/main" id="{944D7722-62D9-423D-B432-9860C38E849C}"/>
-              </a:ext>
-            </a:extLst>
-          </p:cNvPr>
-          <p:cNvCxnSpPr>
-            <a:cxnSpLocks/>
-            <a:stCxn id="3" idx="0"/>
-          </p:cNvCxnSpPr>
-          <p:nvPr/>
-        </p:nvCxnSpPr>
-        <p:spPr>
-          <a:xfrm flipV="1">
-            <a:off x="3026147" y="2727108"/>
-            <a:ext cx="0" cy="308782"/>
-          </a:xfrm>
-          <a:prstGeom prst="straightConnector1">
-            <a:avLst/>
-          </a:prstGeom>
-          <a:ln>
-            <a:solidFill>
-              <a:schemeClr val="tx1">
-                <a:lumMod val="50000"/>
-                <a:lumOff val="50000"/>
-              </a:schemeClr>
-            </a:solidFill>
-            <a:tailEnd type="triangle"/>
-          </a:ln>
-        </p:spPr>
-        <p:style>
-          <a:lnRef idx="1">
-            <a:schemeClr val="accent1"/>
-          </a:lnRef>
-          <a:fillRef idx="0">
-            <a:schemeClr val="accent1"/>
-          </a:fillRef>
-          <a:effectRef idx="0">
-            <a:schemeClr val="accent1"/>
-          </a:effectRef>
-          <a:fontRef idx="minor">
-            <a:schemeClr val="tx1"/>
-          </a:fontRef>
-        </p:style>
-      </p:cxnSp>
-      <p:cxnSp>
-        <p:nvCxnSpPr>
-          <p:cNvPr id="16" name="Straight Arrow Connector 15">
-            <a:extLst>
-              <a:ext uri="{FF2B5EF4-FFF2-40B4-BE49-F238E27FC236}">
-                <a16:creationId xmlns:a16="http://schemas.microsoft.com/office/drawing/2014/main" id="{F0EED2D3-9451-46A7-9D65-826988D7509C}"/>
-              </a:ext>
-            </a:extLst>
-          </p:cNvPr>
-          <p:cNvCxnSpPr>
-            <a:cxnSpLocks/>
-          </p:cNvCxnSpPr>
-          <p:nvPr/>
-        </p:nvCxnSpPr>
-        <p:spPr>
-          <a:xfrm>
-            <a:off x="3574467" y="1801835"/>
-            <a:ext cx="0" cy="264709"/>
+            <a:off x="5038620" y="1818898"/>
+            <a:ext cx="0" cy="284983"/>
           </a:xfrm>
           <a:prstGeom prst="straightConnector1">
             <a:avLst/>
@@ -3945,12 +3853,191 @@
           </p:cNvPr>
           <p:cNvCxnSpPr>
             <a:cxnSpLocks/>
+            <a:stCxn id="6" idx="0"/>
+            <a:endCxn id="24" idx="2"/>
           </p:cNvCxnSpPr>
           <p:nvPr/>
         </p:nvCxnSpPr>
         <p:spPr>
           <a:xfrm flipV="1">
-            <a:off x="4219120" y="2727108"/>
+            <a:off x="4412113" y="2726513"/>
+            <a:ext cx="0" cy="316559"/>
+          </a:xfrm>
+          <a:prstGeom prst="straightConnector1">
+            <a:avLst/>
+          </a:prstGeom>
+          <a:ln>
+            <a:solidFill>
+              <a:schemeClr val="tx1">
+                <a:lumMod val="50000"/>
+                <a:lumOff val="50000"/>
+              </a:schemeClr>
+            </a:solidFill>
+            <a:tailEnd type="triangle"/>
+          </a:ln>
+        </p:spPr>
+        <p:style>
+          <a:lnRef idx="1">
+            <a:schemeClr val="accent1"/>
+          </a:lnRef>
+          <a:fillRef idx="0">
+            <a:schemeClr val="accent1"/>
+          </a:fillRef>
+          <a:effectRef idx="0">
+            <a:schemeClr val="accent1"/>
+          </a:effectRef>
+          <a:fontRef idx="minor">
+            <a:schemeClr val="tx1"/>
+          </a:fontRef>
+        </p:style>
+      </p:cxnSp>
+      <p:grpSp>
+        <p:nvGrpSpPr>
+          <p:cNvPr id="28" name="Group 27">
+            <a:extLst>
+              <a:ext uri="{FF2B5EF4-FFF2-40B4-BE49-F238E27FC236}">
+                <a16:creationId xmlns:a16="http://schemas.microsoft.com/office/drawing/2014/main" id="{99F7DB29-EF4E-467E-878B-36C3518A1D36}"/>
+              </a:ext>
+            </a:extLst>
+          </p:cNvPr>
+          <p:cNvGrpSpPr/>
+          <p:nvPr/>
+        </p:nvGrpSpPr>
+        <p:grpSpPr>
+          <a:xfrm>
+            <a:off x="3209744" y="1508002"/>
+            <a:ext cx="1139264" cy="580263"/>
+            <a:chOff x="3297836" y="1405642"/>
+            <a:chExt cx="1139264" cy="580263"/>
+          </a:xfrm>
+        </p:grpSpPr>
+        <p:sp>
+          <p:nvSpPr>
+            <p:cNvPr id="7" name="Rectangle 6">
+              <a:extLst>
+                <a:ext uri="{FF2B5EF4-FFF2-40B4-BE49-F238E27FC236}">
+                  <a16:creationId xmlns:a16="http://schemas.microsoft.com/office/drawing/2014/main" id="{008A99F7-F4DE-4E24-B65F-A7AAAF08BCB3}"/>
+                </a:ext>
+              </a:extLst>
+            </p:cNvPr>
+            <p:cNvSpPr/>
+            <p:nvPr/>
+          </p:nvSpPr>
+          <p:spPr>
+            <a:xfrm>
+              <a:off x="3297836" y="1405642"/>
+              <a:ext cx="1139264" cy="310896"/>
+            </a:xfrm>
+            <a:prstGeom prst="rect">
+              <a:avLst/>
+            </a:prstGeom>
+            <a:solidFill>
+              <a:schemeClr val="bg2">
+                <a:lumMod val="25000"/>
+              </a:schemeClr>
+            </a:solidFill>
+            <a:ln>
+              <a:solidFill>
+                <a:schemeClr val="tx1">
+                  <a:lumMod val="50000"/>
+                  <a:lumOff val="50000"/>
+                </a:schemeClr>
+              </a:solidFill>
+            </a:ln>
+          </p:spPr>
+          <p:style>
+            <a:lnRef idx="2">
+              <a:schemeClr val="accent1">
+                <a:shade val="50000"/>
+              </a:schemeClr>
+            </a:lnRef>
+            <a:fillRef idx="1">
+              <a:schemeClr val="accent1"/>
+            </a:fillRef>
+            <a:effectRef idx="0">
+              <a:schemeClr val="accent1"/>
+            </a:effectRef>
+            <a:fontRef idx="minor">
+              <a:schemeClr val="lt1"/>
+            </a:fontRef>
+          </p:style>
+          <p:txBody>
+            <a:bodyPr rtlCol="0" anchor="ctr"/>
+            <a:lstStyle/>
+            <a:p>
+              <a:pPr algn="ctr"/>
+              <a:r>
+                <a:rPr lang="en-SG" dirty="0"/>
+                <a:t>Water Hit</a:t>
+              </a:r>
+            </a:p>
+          </p:txBody>
+        </p:sp>
+        <p:cxnSp>
+          <p:nvCxnSpPr>
+            <p:cNvPr id="18" name="Straight Arrow Connector 17">
+              <a:extLst>
+                <a:ext uri="{FF2B5EF4-FFF2-40B4-BE49-F238E27FC236}">
+                  <a16:creationId xmlns:a16="http://schemas.microsoft.com/office/drawing/2014/main" id="{616DAD2A-F257-4E3D-B834-8CEDB6AC7AC4}"/>
+                </a:ext>
+              </a:extLst>
+            </p:cNvPr>
+            <p:cNvCxnSpPr>
+              <a:cxnSpLocks/>
+            </p:cNvCxnSpPr>
+            <p:nvPr/>
+          </p:nvCxnSpPr>
+          <p:spPr>
+            <a:xfrm>
+              <a:off x="3867468" y="1721196"/>
+              <a:ext cx="1" cy="264709"/>
+            </a:xfrm>
+            <a:prstGeom prst="straightConnector1">
+              <a:avLst/>
+            </a:prstGeom>
+            <a:ln>
+              <a:solidFill>
+                <a:schemeClr val="tx1">
+                  <a:lumMod val="50000"/>
+                  <a:lumOff val="50000"/>
+                </a:schemeClr>
+              </a:solidFill>
+              <a:tailEnd type="triangle"/>
+            </a:ln>
+          </p:spPr>
+          <p:style>
+            <a:lnRef idx="1">
+              <a:schemeClr val="accent1"/>
+            </a:lnRef>
+            <a:fillRef idx="0">
+              <a:schemeClr val="accent1"/>
+            </a:fillRef>
+            <a:effectRef idx="0">
+              <a:schemeClr val="accent1"/>
+            </a:effectRef>
+            <a:fontRef idx="minor">
+              <a:schemeClr val="tx1"/>
+            </a:fontRef>
+          </p:style>
+        </p:cxnSp>
+      </p:grpSp>
+      <p:cxnSp>
+        <p:nvCxnSpPr>
+          <p:cNvPr id="19" name="Straight Arrow Connector 18">
+            <a:extLst>
+              <a:ext uri="{FF2B5EF4-FFF2-40B4-BE49-F238E27FC236}">
+                <a16:creationId xmlns:a16="http://schemas.microsoft.com/office/drawing/2014/main" id="{2EE28810-18D0-48CB-A708-4EF14D48ABCF}"/>
+              </a:ext>
+            </a:extLst>
+          </p:cNvPr>
+          <p:cNvCxnSpPr>
+            <a:cxnSpLocks/>
+          </p:cNvCxnSpPr>
+          <p:nvPr/>
+        </p:nvCxnSpPr>
+        <p:spPr>
+          <a:xfrm flipV="1">
+            <a:off x="5765218" y="2741072"/>
             <a:ext cx="0" cy="308782"/>
           </a:xfrm>
           <a:prstGeom prst="straightConnector1">
@@ -3981,100 +4068,330 @@
           </a:fontRef>
         </p:style>
       </p:cxnSp>
-      <p:cxnSp>
-        <p:nvCxnSpPr>
-          <p:cNvPr id="18" name="Straight Arrow Connector 17">
-            <a:extLst>
-              <a:ext uri="{FF2B5EF4-FFF2-40B4-BE49-F238E27FC236}">
-                <a16:creationId xmlns:a16="http://schemas.microsoft.com/office/drawing/2014/main" id="{616DAD2A-F257-4E3D-B834-8CEDB6AC7AC4}"/>
-              </a:ext>
-            </a:extLst>
-          </p:cNvPr>
-          <p:cNvCxnSpPr>
-            <a:cxnSpLocks/>
-          </p:cNvCxnSpPr>
+      <p:sp>
+        <p:nvSpPr>
+          <p:cNvPr id="12" name="Rectangle 11">
+            <a:extLst>
+              <a:ext uri="{FF2B5EF4-FFF2-40B4-BE49-F238E27FC236}">
+                <a16:creationId xmlns:a16="http://schemas.microsoft.com/office/drawing/2014/main" id="{217A7799-65F3-48C0-85F9-A7454245851B}"/>
+              </a:ext>
+            </a:extLst>
+          </p:cNvPr>
+          <p:cNvSpPr/>
           <p:nvPr/>
-        </p:nvCxnSpPr>
+        </p:nvSpPr>
         <p:spPr>
           <a:xfrm>
-            <a:off x="4831423" y="1801835"/>
-            <a:ext cx="1" cy="264709"/>
+            <a:off x="2229026" y="2103881"/>
+            <a:ext cx="622632" cy="622632"/>
           </a:xfrm>
-          <a:prstGeom prst="straightConnector1">
+          <a:prstGeom prst="rect">
             <a:avLst/>
           </a:prstGeom>
-          <a:ln>
+          <a:solidFill>
+            <a:srgbClr val="5F9EA0"/>
+          </a:solidFill>
+          <a:ln w="28575">
             <a:solidFill>
-              <a:schemeClr val="tx1">
-                <a:lumMod val="50000"/>
-                <a:lumOff val="50000"/>
-              </a:schemeClr>
+              <a:schemeClr val="tx1"/>
             </a:solidFill>
-            <a:tailEnd type="triangle"/>
           </a:ln>
         </p:spPr>
         <p:style>
-          <a:lnRef idx="1">
-            <a:schemeClr val="accent1"/>
+          <a:lnRef idx="2">
+            <a:schemeClr val="accent1">
+              <a:shade val="50000"/>
+            </a:schemeClr>
           </a:lnRef>
-          <a:fillRef idx="0">
+          <a:fillRef idx="1">
             <a:schemeClr val="accent1"/>
           </a:fillRef>
           <a:effectRef idx="0">
             <a:schemeClr val="accent1"/>
           </a:effectRef>
           <a:fontRef idx="minor">
-            <a:schemeClr val="tx1"/>
+            <a:schemeClr val="lt1"/>
           </a:fontRef>
         </p:style>
-      </p:cxnSp>
-      <p:cxnSp>
-        <p:nvCxnSpPr>
-          <p:cNvPr id="19" name="Straight Arrow Connector 18">
-            <a:extLst>
-              <a:ext uri="{FF2B5EF4-FFF2-40B4-BE49-F238E27FC236}">
-                <a16:creationId xmlns:a16="http://schemas.microsoft.com/office/drawing/2014/main" id="{2EE28810-18D0-48CB-A708-4EF14D48ABCF}"/>
-              </a:ext>
-            </a:extLst>
-          </p:cNvPr>
-          <p:cNvCxnSpPr>
-            <a:cxnSpLocks/>
-          </p:cNvCxnSpPr>
+        <p:txBody>
+          <a:bodyPr rtlCol="0" anchor="ctr"/>
+          <a:lstStyle/>
+          <a:p>
+            <a:pPr algn="ctr"/>
+            <a:endParaRPr lang="en-SG"/>
+          </a:p>
+        </p:txBody>
+      </p:sp>
+      <p:sp>
+        <p:nvSpPr>
+          <p:cNvPr id="22" name="Rectangle 21">
+            <a:extLst>
+              <a:ext uri="{FF2B5EF4-FFF2-40B4-BE49-F238E27FC236}">
+                <a16:creationId xmlns:a16="http://schemas.microsoft.com/office/drawing/2014/main" id="{208359BE-A10C-4571-85CD-7E5676C63E58}"/>
+              </a:ext>
+            </a:extLst>
+          </p:cNvPr>
+          <p:cNvSpPr/>
           <p:nvPr/>
-        </p:nvCxnSpPr>
+        </p:nvSpPr>
         <p:spPr>
-          <a:xfrm flipV="1">
-            <a:off x="5426128" y="2727108"/>
-            <a:ext cx="0" cy="308782"/>
+          <a:xfrm>
+            <a:off x="2851658" y="2103881"/>
+            <a:ext cx="622632" cy="622632"/>
           </a:xfrm>
-          <a:prstGeom prst="straightConnector1">
+          <a:prstGeom prst="rect">
             <a:avLst/>
           </a:prstGeom>
-          <a:ln>
+          <a:solidFill>
+            <a:srgbClr val="ADD8E6"/>
+          </a:solidFill>
+          <a:ln w="28575">
             <a:solidFill>
-              <a:schemeClr val="tx1">
-                <a:lumMod val="50000"/>
-                <a:lumOff val="50000"/>
-              </a:schemeClr>
+              <a:schemeClr val="tx1"/>
             </a:solidFill>
-            <a:tailEnd type="triangle"/>
           </a:ln>
         </p:spPr>
         <p:style>
-          <a:lnRef idx="1">
-            <a:schemeClr val="accent1"/>
+          <a:lnRef idx="2">
+            <a:schemeClr val="accent1">
+              <a:shade val="50000"/>
+            </a:schemeClr>
           </a:lnRef>
-          <a:fillRef idx="0">
+          <a:fillRef idx="1">
             <a:schemeClr val="accent1"/>
           </a:fillRef>
           <a:effectRef idx="0">
             <a:schemeClr val="accent1"/>
           </a:effectRef>
           <a:fontRef idx="minor">
-            <a:schemeClr val="tx1"/>
+            <a:schemeClr val="lt1"/>
           </a:fontRef>
         </p:style>
-      </p:cxnSp>
+        <p:txBody>
+          <a:bodyPr rtlCol="0" anchor="ctr"/>
+          <a:lstStyle/>
+          <a:p>
+            <a:pPr algn="ctr"/>
+            <a:endParaRPr lang="en-SG"/>
+          </a:p>
+        </p:txBody>
+      </p:sp>
+      <p:sp>
+        <p:nvSpPr>
+          <p:cNvPr id="23" name="Rectangle 22">
+            <a:extLst>
+              <a:ext uri="{FF2B5EF4-FFF2-40B4-BE49-F238E27FC236}">
+                <a16:creationId xmlns:a16="http://schemas.microsoft.com/office/drawing/2014/main" id="{C8782A02-9C4E-4CEB-A699-0EDF941CECE5}"/>
+              </a:ext>
+            </a:extLst>
+          </p:cNvPr>
+          <p:cNvSpPr/>
+          <p:nvPr/>
+        </p:nvSpPr>
+        <p:spPr>
+          <a:xfrm>
+            <a:off x="4727304" y="2103881"/>
+            <a:ext cx="622632" cy="622632"/>
+          </a:xfrm>
+          <a:prstGeom prst="rect">
+            <a:avLst/>
+          </a:prstGeom>
+          <a:solidFill>
+            <a:srgbClr val="FFA500"/>
+          </a:solidFill>
+          <a:ln w="28575">
+            <a:solidFill>
+              <a:schemeClr val="tx1"/>
+            </a:solidFill>
+          </a:ln>
+        </p:spPr>
+        <p:style>
+          <a:lnRef idx="2">
+            <a:schemeClr val="accent1">
+              <a:shade val="50000"/>
+            </a:schemeClr>
+          </a:lnRef>
+          <a:fillRef idx="1">
+            <a:schemeClr val="accent1"/>
+          </a:fillRef>
+          <a:effectRef idx="0">
+            <a:schemeClr val="accent1"/>
+          </a:effectRef>
+          <a:fontRef idx="minor">
+            <a:schemeClr val="lt1"/>
+          </a:fontRef>
+        </p:style>
+        <p:txBody>
+          <a:bodyPr rtlCol="0" anchor="ctr"/>
+          <a:lstStyle/>
+          <a:p>
+            <a:pPr algn="ctr"/>
+            <a:endParaRPr lang="en-SG"/>
+          </a:p>
+        </p:txBody>
+      </p:sp>
+      <p:sp>
+        <p:nvSpPr>
+          <p:cNvPr id="24" name="Rectangle 23">
+            <a:extLst>
+              <a:ext uri="{FF2B5EF4-FFF2-40B4-BE49-F238E27FC236}">
+                <a16:creationId xmlns:a16="http://schemas.microsoft.com/office/drawing/2014/main" id="{45F126B2-A863-451B-AE7C-762462FF0254}"/>
+              </a:ext>
+            </a:extLst>
+          </p:cNvPr>
+          <p:cNvSpPr/>
+          <p:nvPr/>
+        </p:nvSpPr>
+        <p:spPr>
+          <a:xfrm>
+            <a:off x="4100797" y="2103881"/>
+            <a:ext cx="622632" cy="622632"/>
+          </a:xfrm>
+          <a:prstGeom prst="rect">
+            <a:avLst/>
+          </a:prstGeom>
+          <a:solidFill>
+            <a:schemeClr val="tx1"/>
+          </a:solidFill>
+          <a:ln w="28575">
+            <a:solidFill>
+              <a:schemeClr val="tx1"/>
+            </a:solidFill>
+          </a:ln>
+        </p:spPr>
+        <p:style>
+          <a:lnRef idx="2">
+            <a:schemeClr val="accent1">
+              <a:shade val="50000"/>
+            </a:schemeClr>
+          </a:lnRef>
+          <a:fillRef idx="1">
+            <a:schemeClr val="accent1"/>
+          </a:fillRef>
+          <a:effectRef idx="0">
+            <a:schemeClr val="accent1"/>
+          </a:effectRef>
+          <a:fontRef idx="minor">
+            <a:schemeClr val="lt1"/>
+          </a:fontRef>
+        </p:style>
+        <p:txBody>
+          <a:bodyPr rtlCol="0" anchor="ctr"/>
+          <a:lstStyle/>
+          <a:p>
+            <a:pPr algn="ctr"/>
+            <a:endParaRPr lang="en-SG"/>
+          </a:p>
+        </p:txBody>
+      </p:sp>
+      <p:sp>
+        <p:nvSpPr>
+          <p:cNvPr id="25" name="Rectangle 24">
+            <a:extLst>
+              <a:ext uri="{FF2B5EF4-FFF2-40B4-BE49-F238E27FC236}">
+                <a16:creationId xmlns:a16="http://schemas.microsoft.com/office/drawing/2014/main" id="{264DE8DB-A595-487A-8929-D64B3BA31380}"/>
+              </a:ext>
+            </a:extLst>
+          </p:cNvPr>
+          <p:cNvSpPr/>
+          <p:nvPr/>
+        </p:nvSpPr>
+        <p:spPr>
+          <a:xfrm>
+            <a:off x="3474290" y="2103881"/>
+            <a:ext cx="622632" cy="622632"/>
+          </a:xfrm>
+          <a:prstGeom prst="rect">
+            <a:avLst/>
+          </a:prstGeom>
+          <a:solidFill>
+            <a:srgbClr val="00008B"/>
+          </a:solidFill>
+          <a:ln w="28575">
+            <a:solidFill>
+              <a:schemeClr val="tx1"/>
+            </a:solidFill>
+          </a:ln>
+        </p:spPr>
+        <p:style>
+          <a:lnRef idx="2">
+            <a:schemeClr val="accent1">
+              <a:shade val="50000"/>
+            </a:schemeClr>
+          </a:lnRef>
+          <a:fillRef idx="1">
+            <a:schemeClr val="accent1"/>
+          </a:fillRef>
+          <a:effectRef idx="0">
+            <a:schemeClr val="accent1"/>
+          </a:effectRef>
+          <a:fontRef idx="minor">
+            <a:schemeClr val="lt1"/>
+          </a:fontRef>
+        </p:style>
+        <p:txBody>
+          <a:bodyPr rtlCol="0" anchor="ctr"/>
+          <a:lstStyle/>
+          <a:p>
+            <a:pPr algn="ctr"/>
+            <a:endParaRPr lang="en-SG"/>
+          </a:p>
+        </p:txBody>
+      </p:sp>
+      <p:sp>
+        <p:nvSpPr>
+          <p:cNvPr id="26" name="Rectangle 25">
+            <a:extLst>
+              <a:ext uri="{FF2B5EF4-FFF2-40B4-BE49-F238E27FC236}">
+                <a16:creationId xmlns:a16="http://schemas.microsoft.com/office/drawing/2014/main" id="{F85F641C-0BEB-4101-9914-6EEAC4A4E673}"/>
+              </a:ext>
+            </a:extLst>
+          </p:cNvPr>
+          <p:cNvSpPr/>
+          <p:nvPr/>
+        </p:nvSpPr>
+        <p:spPr>
+          <a:xfrm>
+            <a:off x="5349936" y="2103881"/>
+            <a:ext cx="622632" cy="622632"/>
+          </a:xfrm>
+          <a:prstGeom prst="rect">
+            <a:avLst/>
+          </a:prstGeom>
+          <a:solidFill>
+            <a:srgbClr val="FF0000"/>
+          </a:solidFill>
+          <a:ln w="28575">
+            <a:solidFill>
+              <a:schemeClr val="tx1"/>
+            </a:solidFill>
+          </a:ln>
+        </p:spPr>
+        <p:style>
+          <a:lnRef idx="2">
+            <a:schemeClr val="accent1">
+              <a:shade val="50000"/>
+            </a:schemeClr>
+          </a:lnRef>
+          <a:fillRef idx="1">
+            <a:schemeClr val="accent1"/>
+          </a:fillRef>
+          <a:effectRef idx="0">
+            <a:schemeClr val="accent1"/>
+          </a:effectRef>
+          <a:fontRef idx="minor">
+            <a:schemeClr val="lt1"/>
+          </a:fontRef>
+        </p:style>
+        <p:txBody>
+          <a:bodyPr rtlCol="0" anchor="ctr"/>
+          <a:lstStyle/>
+          <a:p>
+            <a:pPr algn="ctr"/>
+            <a:endParaRPr lang="en-SG"/>
+          </a:p>
+        </p:txBody>
+      </p:sp>
     </p:spTree>
     <p:extLst>
       <p:ext uri="{BB962C8B-B14F-4D97-AF65-F5344CB8AC3E}">
